--- a/database/slides/PRAYER_FOR_THE_PRIESTS.pptx
+++ b/database/slides/PRAYER_FOR_THE_PRIESTS.pptx
@@ -15654,7 +15654,13 @@
       </p:sp>
       <p:sp>
         <p:nvSpPr>
-          <p:cNvPr id="131" name="Google Shape;131;p25"/>
+          <p:cNvPr id="2" name="Google Shape;131;p25">
+            <a:extLst>
+              <a:ext uri="{FF2B5EF4-FFF2-40B4-BE49-F238E27FC236}">
+                <a16:creationId xmlns:a16="http://schemas.microsoft.com/office/drawing/2014/main" id="{3FCEA23B-3EE3-010E-1541-216C6073C829}"/>
+              </a:ext>
+            </a:extLst>
+          </p:cNvPr>
           <p:cNvSpPr txBox="1"/>
           <p:nvPr/>
         </p:nvSpPr>
